--- a/Fall2018 Lecture Notes/Chapter 3 Lecture.pptx
+++ b/Fall2018 Lecture Notes/Chapter 3 Lecture.pptx
@@ -5,7 +5,7 @@
     <p:sldMasterId id="2147483684" r:id="rId1"/>
   </p:sldMasterIdLst>
   <p:notesMasterIdLst>
-    <p:notesMasterId r:id="rId34"/>
+    <p:notesMasterId r:id="rId36"/>
   </p:notesMasterIdLst>
   <p:sldIdLst>
     <p:sldId id="257" r:id="rId2"/>
@@ -32,14 +32,16 @@
     <p:sldId id="329" r:id="rId23"/>
     <p:sldId id="330" r:id="rId24"/>
     <p:sldId id="321" r:id="rId25"/>
-    <p:sldId id="322" r:id="rId26"/>
-    <p:sldId id="323" r:id="rId27"/>
-    <p:sldId id="324" r:id="rId28"/>
-    <p:sldId id="333" r:id="rId29"/>
-    <p:sldId id="331" r:id="rId30"/>
-    <p:sldId id="332" r:id="rId31"/>
-    <p:sldId id="277" r:id="rId32"/>
-    <p:sldId id="280" r:id="rId33"/>
+    <p:sldId id="335" r:id="rId26"/>
+    <p:sldId id="334" r:id="rId27"/>
+    <p:sldId id="322" r:id="rId28"/>
+    <p:sldId id="323" r:id="rId29"/>
+    <p:sldId id="324" r:id="rId30"/>
+    <p:sldId id="333" r:id="rId31"/>
+    <p:sldId id="331" r:id="rId32"/>
+    <p:sldId id="332" r:id="rId33"/>
+    <p:sldId id="277" r:id="rId34"/>
+    <p:sldId id="280" r:id="rId35"/>
   </p:sldIdLst>
   <p:sldSz cx="9144000" cy="6858000" type="screen4x3"/>
   <p:notesSz cx="6858000" cy="9144000"/>
@@ -157,6 +159,137 @@
 </p:presentation>
 </file>
 
+<file path=ppt/changesInfos/changesInfo1.xml><?xml version="1.0" encoding="utf-8"?>
+<pc:chgInfo xmlns:a="http://schemas.openxmlformats.org/drawingml/2006/main" xmlns:r="http://schemas.openxmlformats.org/officeDocument/2006/relationships" xmlns:ac="http://schemas.microsoft.com/office/drawing/2013/main/command" xmlns:pc="http://schemas.microsoft.com/office/powerpoint/2013/main/command">
+  <pc:docChgLst>
+    <pc:chgData name="Tabetha Hopke" userId="5e7e88d54752368c" providerId="LiveId" clId="{5C9D7FA0-7A8C-413E-A7D4-764D046EC596}"/>
+    <pc:docChg chg="undo custSel addSld delSld modSld sldOrd">
+      <pc:chgData name="Tabetha Hopke" userId="5e7e88d54752368c" providerId="LiveId" clId="{5C9D7FA0-7A8C-413E-A7D4-764D046EC596}" dt="2018-09-11T06:05:06.478" v="1106" actId="1076"/>
+      <pc:docMkLst>
+        <pc:docMk/>
+      </pc:docMkLst>
+      <pc:sldChg chg="addSp delSp modSp add del ord">
+        <pc:chgData name="Tabetha Hopke" userId="5e7e88d54752368c" providerId="LiveId" clId="{5C9D7FA0-7A8C-413E-A7D4-764D046EC596}" dt="2018-09-11T05:59:06.672" v="704" actId="1076"/>
+        <pc:sldMkLst>
+          <pc:docMk/>
+          <pc:sldMk cId="1586405005" sldId="321"/>
+        </pc:sldMkLst>
+        <pc:spChg chg="mod">
+          <ac:chgData name="Tabetha Hopke" userId="5e7e88d54752368c" providerId="LiveId" clId="{5C9D7FA0-7A8C-413E-A7D4-764D046EC596}" dt="2018-09-11T05:59:03.637" v="703" actId="20577"/>
+          <ac:spMkLst>
+            <pc:docMk/>
+            <pc:sldMk cId="1586405005" sldId="321"/>
+            <ac:spMk id="3" creationId="{00000000-0000-0000-0000-000000000000}"/>
+          </ac:spMkLst>
+        </pc:spChg>
+        <pc:picChg chg="del mod">
+          <ac:chgData name="Tabetha Hopke" userId="5e7e88d54752368c" providerId="LiveId" clId="{5C9D7FA0-7A8C-413E-A7D4-764D046EC596}" dt="2018-09-11T05:46:25.753" v="338" actId="478"/>
+          <ac:picMkLst>
+            <pc:docMk/>
+            <pc:sldMk cId="1586405005" sldId="321"/>
+            <ac:picMk id="4" creationId="{77E125A7-3115-4CC3-A5DC-1D4EBB86F790}"/>
+          </ac:picMkLst>
+        </pc:picChg>
+        <pc:picChg chg="add mod modCrop">
+          <ac:chgData name="Tabetha Hopke" userId="5e7e88d54752368c" providerId="LiveId" clId="{5C9D7FA0-7A8C-413E-A7D4-764D046EC596}" dt="2018-09-11T05:59:06.672" v="704" actId="1076"/>
+          <ac:picMkLst>
+            <pc:docMk/>
+            <pc:sldMk cId="1586405005" sldId="321"/>
+            <ac:picMk id="5" creationId="{C0B65FCC-1BB5-4389-A95F-9277AB9B3C9D}"/>
+          </ac:picMkLst>
+        </pc:picChg>
+      </pc:sldChg>
+      <pc:sldChg chg="modSp add">
+        <pc:chgData name="Tabetha Hopke" userId="5e7e88d54752368c" providerId="LiveId" clId="{5C9D7FA0-7A8C-413E-A7D4-764D046EC596}" dt="2018-09-11T06:05:06.478" v="1106" actId="1076"/>
+        <pc:sldMkLst>
+          <pc:docMk/>
+          <pc:sldMk cId="1819490371" sldId="334"/>
+        </pc:sldMkLst>
+        <pc:spChg chg="mod">
+          <ac:chgData name="Tabetha Hopke" userId="5e7e88d54752368c" providerId="LiveId" clId="{5C9D7FA0-7A8C-413E-A7D4-764D046EC596}" dt="2018-09-11T06:05:02.641" v="1105" actId="20577"/>
+          <ac:spMkLst>
+            <pc:docMk/>
+            <pc:sldMk cId="1819490371" sldId="334"/>
+            <ac:spMk id="3" creationId="{00000000-0000-0000-0000-000000000000}"/>
+          </ac:spMkLst>
+        </pc:spChg>
+        <pc:picChg chg="mod">
+          <ac:chgData name="Tabetha Hopke" userId="5e7e88d54752368c" providerId="LiveId" clId="{5C9D7FA0-7A8C-413E-A7D4-764D046EC596}" dt="2018-09-11T06:05:06.478" v="1106" actId="1076"/>
+          <ac:picMkLst>
+            <pc:docMk/>
+            <pc:sldMk cId="1819490371" sldId="334"/>
+            <ac:picMk id="4" creationId="{77E125A7-3115-4CC3-A5DC-1D4EBB86F790}"/>
+          </ac:picMkLst>
+        </pc:picChg>
+      </pc:sldChg>
+      <pc:sldChg chg="addSp delSp modSp add">
+        <pc:chgData name="Tabetha Hopke" userId="5e7e88d54752368c" providerId="LiveId" clId="{5C9D7FA0-7A8C-413E-A7D4-764D046EC596}" dt="2018-09-11T06:03:45.299" v="980" actId="1076"/>
+        <pc:sldMkLst>
+          <pc:docMk/>
+          <pc:sldMk cId="1902734822" sldId="335"/>
+        </pc:sldMkLst>
+        <pc:spChg chg="mod">
+          <ac:chgData name="Tabetha Hopke" userId="5e7e88d54752368c" providerId="LiveId" clId="{5C9D7FA0-7A8C-413E-A7D4-764D046EC596}" dt="2018-09-11T06:02:30.445" v="972" actId="20577"/>
+          <ac:spMkLst>
+            <pc:docMk/>
+            <pc:sldMk cId="1902734822" sldId="335"/>
+            <ac:spMk id="3" creationId="{00000000-0000-0000-0000-000000000000}"/>
+          </ac:spMkLst>
+        </pc:spChg>
+        <pc:spChg chg="add mod">
+          <ac:chgData name="Tabetha Hopke" userId="5e7e88d54752368c" providerId="LiveId" clId="{5C9D7FA0-7A8C-413E-A7D4-764D046EC596}" dt="2018-09-11T06:03:08.040" v="976" actId="1076"/>
+          <ac:spMkLst>
+            <pc:docMk/>
+            <pc:sldMk cId="1902734822" sldId="335"/>
+            <ac:spMk id="8" creationId="{33EFD88B-A5ED-4CF1-83BC-7AB9A00FB0E6}"/>
+          </ac:spMkLst>
+        </pc:spChg>
+        <pc:spChg chg="add mod">
+          <ac:chgData name="Tabetha Hopke" userId="5e7e88d54752368c" providerId="LiveId" clId="{5C9D7FA0-7A8C-413E-A7D4-764D046EC596}" dt="2018-09-11T06:03:26.227" v="978" actId="1076"/>
+          <ac:spMkLst>
+            <pc:docMk/>
+            <pc:sldMk cId="1902734822" sldId="335"/>
+            <ac:spMk id="9" creationId="{B1311080-65E5-4F24-9B43-3A018992CFE0}"/>
+          </ac:spMkLst>
+        </pc:spChg>
+        <pc:spChg chg="add mod">
+          <ac:chgData name="Tabetha Hopke" userId="5e7e88d54752368c" providerId="LiveId" clId="{5C9D7FA0-7A8C-413E-A7D4-764D046EC596}" dt="2018-09-11T06:03:45.299" v="980" actId="1076"/>
+          <ac:spMkLst>
+            <pc:docMk/>
+            <pc:sldMk cId="1902734822" sldId="335"/>
+            <ac:spMk id="10" creationId="{848CFA69-35C9-4079-8BE3-3A7268B244B1}"/>
+          </ac:spMkLst>
+        </pc:spChg>
+        <pc:picChg chg="del">
+          <ac:chgData name="Tabetha Hopke" userId="5e7e88d54752368c" providerId="LiveId" clId="{5C9D7FA0-7A8C-413E-A7D4-764D046EC596}" dt="2018-09-11T05:58:15.555" v="608" actId="478"/>
+          <ac:picMkLst>
+            <pc:docMk/>
+            <pc:sldMk cId="1902734822" sldId="335"/>
+            <ac:picMk id="5" creationId="{C0B65FCC-1BB5-4389-A95F-9277AB9B3C9D}"/>
+          </ac:picMkLst>
+        </pc:picChg>
+        <pc:picChg chg="add mod modCrop">
+          <ac:chgData name="Tabetha Hopke" userId="5e7e88d54752368c" providerId="LiveId" clId="{5C9D7FA0-7A8C-413E-A7D4-764D046EC596}" dt="2018-09-11T06:02:03.491" v="925" actId="1076"/>
+          <ac:picMkLst>
+            <pc:docMk/>
+            <pc:sldMk cId="1902734822" sldId="335"/>
+            <ac:picMk id="6" creationId="{0CF474BE-05E2-4C52-AB7F-F218163C51C3}"/>
+          </ac:picMkLst>
+        </pc:picChg>
+        <pc:picChg chg="add mod">
+          <ac:chgData name="Tabetha Hopke" userId="5e7e88d54752368c" providerId="LiveId" clId="{5C9D7FA0-7A8C-413E-A7D4-764D046EC596}" dt="2018-09-11T06:02:46.687" v="974" actId="1076"/>
+          <ac:picMkLst>
+            <pc:docMk/>
+            <pc:sldMk cId="1902734822" sldId="335"/>
+            <ac:picMk id="7" creationId="{1102150C-1EA5-4A22-97FB-FAD40BD3EFD7}"/>
+          </ac:picMkLst>
+        </pc:picChg>
+      </pc:sldChg>
+    </pc:docChg>
+  </pc:docChgLst>
+</pc:chgInfo>
+</file>
+
 <file path=ppt/notesMasters/notesMaster1.xml><?xml version="1.0" encoding="utf-8"?>
 <p:notesMaster xmlns:a="http://schemas.openxmlformats.org/drawingml/2006/main" xmlns:r="http://schemas.openxmlformats.org/officeDocument/2006/relationships" xmlns:p="http://schemas.openxmlformats.org/presentationml/2006/main">
   <p:cSld>
@@ -239,7 +372,7 @@
           <a:p>
             <a:fld id="{B4ED029E-E513-7545-92DF-ADD1B436E61D}" type="datetimeFigureOut">
               <a:rPr lang="en-US" smtClean="0"/>
-              <a:t>7/16/2018</a:t>
+              <a:t>9/11/2018</a:t>
             </a:fld>
             <a:endParaRPr lang="en-US"/>
           </a:p>
@@ -1192,7 +1325,7 @@
                 <a:ea typeface="Geneva" pitchFamily="1" charset="-128"/>
               </a:rPr>
               <a:pPr/>
-              <a:t>31</a:t>
+              <a:t>33</a:t>
             </a:fld>
             <a:endParaRPr lang="en-US">
               <a:latin typeface="Lucida Grande" pitchFamily="1" charset="0"/>
@@ -1385,7 +1518,7 @@
                 <a:ea typeface="Geneva" pitchFamily="1" charset="-128"/>
               </a:rPr>
               <a:pPr/>
-              <a:t>32</a:t>
+              <a:t>34</a:t>
             </a:fld>
             <a:endParaRPr lang="en-US">
               <a:latin typeface="Lucida Grande" pitchFamily="1" charset="0"/>
@@ -2300,7 +2433,7 @@
           <a:p>
             <a:fld id="{A55A34E6-C7EA-4242-9DA2-963562E4B064}" type="datetimeFigureOut">
               <a:rPr lang="en-US" smtClean="0"/>
-              <a:t>7/16/2018</a:t>
+              <a:t>9/11/2018</a:t>
             </a:fld>
             <a:endParaRPr lang="en-US"/>
           </a:p>
@@ -2508,7 +2641,7 @@
           <a:p>
             <a:fld id="{A55A34E6-C7EA-4242-9DA2-963562E4B064}" type="datetimeFigureOut">
               <a:rPr lang="en-US" smtClean="0"/>
-              <a:t>7/16/2018</a:t>
+              <a:t>9/11/2018</a:t>
             </a:fld>
             <a:endParaRPr lang="en-US"/>
           </a:p>
@@ -2764,7 +2897,7 @@
           <a:p>
             <a:fld id="{A55A34E6-C7EA-4242-9DA2-963562E4B064}" type="datetimeFigureOut">
               <a:rPr lang="en-US" smtClean="0"/>
-              <a:t>7/16/2018</a:t>
+              <a:t>9/11/2018</a:t>
             </a:fld>
             <a:endParaRPr lang="en-US"/>
           </a:p>
@@ -2934,7 +3067,7 @@
           <a:p>
             <a:fld id="{A55A34E6-C7EA-4242-9DA2-963562E4B064}" type="datetimeFigureOut">
               <a:rPr lang="en-US" smtClean="0"/>
-              <a:t>7/16/2018</a:t>
+              <a:t>9/11/2018</a:t>
             </a:fld>
             <a:endParaRPr lang="en-US"/>
           </a:p>
@@ -3277,7 +3410,7 @@
           <a:p>
             <a:fld id="{A55A34E6-C7EA-4242-9DA2-963562E4B064}" type="datetimeFigureOut">
               <a:rPr lang="en-US" smtClean="0"/>
-              <a:t>7/16/2018</a:t>
+              <a:t>9/11/2018</a:t>
             </a:fld>
             <a:endParaRPr lang="en-US"/>
           </a:p>
@@ -3552,7 +3685,7 @@
           <a:p>
             <a:fld id="{A55A34E6-C7EA-4242-9DA2-963562E4B064}" type="datetimeFigureOut">
               <a:rPr lang="en-US" smtClean="0"/>
-              <a:t>7/16/2018</a:t>
+              <a:t>9/11/2018</a:t>
             </a:fld>
             <a:endParaRPr lang="en-US"/>
           </a:p>
@@ -3931,7 +4064,7 @@
           <a:p>
             <a:fld id="{A55A34E6-C7EA-4242-9DA2-963562E4B064}" type="datetimeFigureOut">
               <a:rPr lang="en-US" smtClean="0"/>
-              <a:t>7/16/2018</a:t>
+              <a:t>9/11/2018</a:t>
             </a:fld>
             <a:endParaRPr lang="en-US"/>
           </a:p>
@@ -4049,7 +4182,7 @@
           <a:p>
             <a:fld id="{A55A34E6-C7EA-4242-9DA2-963562E4B064}" type="datetimeFigureOut">
               <a:rPr lang="en-US" smtClean="0"/>
-              <a:t>7/16/2018</a:t>
+              <a:t>9/11/2018</a:t>
             </a:fld>
             <a:endParaRPr lang="en-US"/>
           </a:p>
@@ -4220,7 +4353,7 @@
           <a:p>
             <a:fld id="{A55A34E6-C7EA-4242-9DA2-963562E4B064}" type="datetimeFigureOut">
               <a:rPr lang="en-US" smtClean="0"/>
-              <a:t>7/16/2018</a:t>
+              <a:t>9/11/2018</a:t>
             </a:fld>
             <a:endParaRPr lang="en-US"/>
           </a:p>
@@ -4574,7 +4707,7 @@
           <a:p>
             <a:fld id="{A55A34E6-C7EA-4242-9DA2-963562E4B064}" type="datetimeFigureOut">
               <a:rPr lang="en-US" smtClean="0"/>
-              <a:t>7/16/2018</a:t>
+              <a:t>9/11/2018</a:t>
             </a:fld>
             <a:endParaRPr lang="en-US"/>
           </a:p>
@@ -4956,7 +5089,7 @@
           <a:p>
             <a:fld id="{A55A34E6-C7EA-4242-9DA2-963562E4B064}" type="datetimeFigureOut">
               <a:rPr lang="en-US" smtClean="0"/>
-              <a:t>7/16/2018</a:t>
+              <a:t>9/11/2018</a:t>
             </a:fld>
             <a:endParaRPr lang="en-US"/>
           </a:p>
@@ -5243,7 +5376,7 @@
           <a:p>
             <a:fld id="{A55A34E6-C7EA-4242-9DA2-963562E4B064}" type="datetimeFigureOut">
               <a:rPr lang="en-US" smtClean="0"/>
-              <a:t>7/16/2018</a:t>
+              <a:t>9/11/2018</a:t>
             </a:fld>
             <a:endParaRPr lang="en-US"/>
           </a:p>
@@ -7470,9 +7603,26 @@
           <a:lstStyle/>
           <a:p>
             <a:r>
-              <a:rPr lang="en-US" sz="2400" dirty="0"/>
-              <a:t>Calculate the means and SD for groups and enter in Excel</a:t>
-            </a:r>
+              <a:rPr lang="en-US" dirty="0"/>
+              <a:t>If you are given the raw data, you will need to calculate means and standard deviations in </a:t>
+            </a:r>
+            <a:r>
+              <a:rPr lang="en-US" dirty="0" err="1"/>
+              <a:t>JASP</a:t>
+            </a:r>
+            <a:r>
+              <a:rPr lang="en-US" dirty="0"/>
+              <a:t> before being able to make a bar graph. To do this you will go to “Descriptive” </a:t>
+            </a:r>
+            <a:r>
+              <a:rPr lang="en-US" dirty="0">
+                <a:sym typeface="Wingdings" panose="05000000000000000000" pitchFamily="2" charset="2"/>
+              </a:rPr>
+              <a:t> “Descriptive Statistics”</a:t>
+            </a:r>
+          </a:p>
+          <a:p>
+            <a:endParaRPr lang="en-US" dirty="0"/>
           </a:p>
           <a:p>
             <a:endParaRPr lang="en-US" dirty="0"/>
@@ -7481,26 +7631,25 @@
       </p:sp>
       <p:pic>
         <p:nvPicPr>
-          <p:cNvPr id="4" name="Picture 3">
+          <p:cNvPr id="5" name="Picture 4">
             <a:extLst>
               <a:ext uri="{FF2B5EF4-FFF2-40B4-BE49-F238E27FC236}">
-                <a16:creationId xmlns:a16="http://schemas.microsoft.com/office/drawing/2014/main" id="{77E125A7-3115-4CC3-A5DC-1D4EBB86F790}"/>
+                <a16:creationId xmlns:a16="http://schemas.microsoft.com/office/drawing/2014/main" id="{C0B65FCC-1BB5-4389-A95F-9277AB9B3C9D}"/>
               </a:ext>
             </a:extLst>
           </p:cNvPr>
           <p:cNvPicPr/>
           <p:nvPr/>
         </p:nvPicPr>
-        <p:blipFill>
+        <p:blipFill rotWithShape="1">
           <a:blip r:embed="rId2"/>
-          <a:stretch>
-            <a:fillRect/>
-          </a:stretch>
+          <a:srcRect r="-3123"/>
+          <a:stretch/>
         </p:blipFill>
         <p:spPr>
           <a:xfrm>
-            <a:off x="3129914" y="2725511"/>
-            <a:ext cx="2929890" cy="2743200"/>
+            <a:off x="2949343" y="3069167"/>
+            <a:ext cx="3245313" cy="2908300"/>
           </a:xfrm>
           <a:prstGeom prst="rect">
             <a:avLst/>
@@ -7575,14 +7724,24 @@
           <a:lstStyle/>
           <a:p>
             <a:r>
-              <a:rPr lang="en-US" sz="2400" dirty="0"/>
-              <a:t>Highlight the variable names and means</a:t>
-            </a:r>
-          </a:p>
-          <a:p>
-            <a:r>
-              <a:rPr lang="en-US" sz="2400" dirty="0"/>
-              <a:t>Click on the “Insert” tab and insert a bar graph</a:t>
+              <a:rPr lang="en-US" dirty="0"/>
+              <a:t>Next you will put the IV in the “Split” box to get </a:t>
+            </a:r>
+            <a:r>
+              <a:rPr lang="en-US" dirty="0" err="1"/>
+              <a:t>descriptives</a:t>
+            </a:r>
+            <a:r>
+              <a:rPr lang="en-US" dirty="0"/>
+              <a:t> for the levels of the IV separately, and the DV in the “Variables” box, then select the </a:t>
+            </a:r>
+            <a:r>
+              <a:rPr lang="en-US" dirty="0" err="1"/>
+              <a:t>descriptives</a:t>
+            </a:r>
+            <a:r>
+              <a:rPr lang="en-US" dirty="0"/>
+              <a:t> you need. </a:t>
             </a:r>
           </a:p>
           <a:p>
@@ -7592,10 +7751,37 @@
       </p:sp>
       <p:pic>
         <p:nvPicPr>
-          <p:cNvPr id="4" name="Picture 3">
+          <p:cNvPr id="6" name="Picture 5">
             <a:extLst>
               <a:ext uri="{FF2B5EF4-FFF2-40B4-BE49-F238E27FC236}">
-                <a16:creationId xmlns:a16="http://schemas.microsoft.com/office/drawing/2014/main" id="{223880F2-1006-4348-AA12-637B058D8B1D}"/>
+                <a16:creationId xmlns:a16="http://schemas.microsoft.com/office/drawing/2014/main" id="{0CF474BE-05E2-4C52-AB7F-F218163C51C3}"/>
+              </a:ext>
+            </a:extLst>
+          </p:cNvPr>
+          <p:cNvPicPr/>
+          <p:nvPr/>
+        </p:nvPicPr>
+        <p:blipFill rotWithShape="1">
+          <a:blip r:embed="rId2"/>
+          <a:srcRect r="37847"/>
+          <a:stretch/>
+        </p:blipFill>
+        <p:spPr>
+          <a:xfrm>
+            <a:off x="1029393" y="2920423"/>
+            <a:ext cx="3542607" cy="2679700"/>
+          </a:xfrm>
+          <a:prstGeom prst="rect">
+            <a:avLst/>
+          </a:prstGeom>
+        </p:spPr>
+      </p:pic>
+      <p:pic>
+        <p:nvPicPr>
+          <p:cNvPr id="7" name="Picture 6">
+            <a:extLst>
+              <a:ext uri="{FF2B5EF4-FFF2-40B4-BE49-F238E27FC236}">
+                <a16:creationId xmlns:a16="http://schemas.microsoft.com/office/drawing/2014/main" id="{1102150C-1EA5-4A22-97FB-FAD40BD3EFD7}"/>
               </a:ext>
             </a:extLst>
           </p:cNvPr>
@@ -7603,25 +7789,220 @@
           <p:nvPr/>
         </p:nvPicPr>
         <p:blipFill>
-          <a:blip r:embed="rId2"/>
+          <a:blip r:embed="rId3"/>
           <a:stretch>
             <a:fillRect/>
           </a:stretch>
         </p:blipFill>
         <p:spPr>
           <a:xfrm>
-            <a:off x="2438243" y="2791485"/>
-            <a:ext cx="4313231" cy="3484478"/>
+            <a:off x="5154930" y="2585297"/>
+            <a:ext cx="3406140" cy="3392170"/>
           </a:xfrm>
           <a:prstGeom prst="rect">
             <a:avLst/>
           </a:prstGeom>
         </p:spPr>
       </p:pic>
+      <p:sp>
+        <p:nvSpPr>
+          <p:cNvPr id="8" name="Arrow: Left 7">
+            <a:extLst>
+              <a:ext uri="{FF2B5EF4-FFF2-40B4-BE49-F238E27FC236}">
+                <a16:creationId xmlns:a16="http://schemas.microsoft.com/office/drawing/2014/main" id="{33EFD88B-A5ED-4CF1-83BC-7AB9A00FB0E6}"/>
+              </a:ext>
+            </a:extLst>
+          </p:cNvPr>
+          <p:cNvSpPr/>
+          <p:nvPr/>
+        </p:nvSpPr>
+        <p:spPr>
+          <a:xfrm rot="19408878">
+            <a:off x="7704964" y="3537056"/>
+            <a:ext cx="1162685" cy="640715"/>
+          </a:xfrm>
+          <a:prstGeom prst="leftArrow">
+            <a:avLst/>
+          </a:prstGeom>
+        </p:spPr>
+        <p:style>
+          <a:lnRef idx="2">
+            <a:schemeClr val="dk1">
+              <a:shade val="50000"/>
+            </a:schemeClr>
+          </a:lnRef>
+          <a:fillRef idx="1">
+            <a:schemeClr val="dk1"/>
+          </a:fillRef>
+          <a:effectRef idx="0">
+            <a:schemeClr val="dk1"/>
+          </a:effectRef>
+          <a:fontRef idx="minor">
+            <a:schemeClr val="lt1"/>
+          </a:fontRef>
+        </p:style>
+        <p:txBody>
+          <a:bodyPr rot="0" spcFirstLastPara="0" vert="horz" wrap="square" lIns="91440" tIns="45720" rIns="91440" bIns="45720" numCol="1" spcCol="0" rtlCol="0" fromWordArt="0" anchor="ctr" anchorCtr="0" forceAA="0" compatLnSpc="1">
+            <a:prstTxWarp prst="textNoShape">
+              <a:avLst/>
+            </a:prstTxWarp>
+            <a:noAutofit/>
+          </a:bodyPr>
+          <a:lstStyle/>
+          <a:p>
+            <a:pPr marL="0" marR="0" algn="ctr">
+              <a:spcBef>
+                <a:spcPts val="0"/>
+              </a:spcBef>
+              <a:spcAft>
+                <a:spcPts val="0"/>
+              </a:spcAft>
+            </a:pPr>
+            <a:r>
+              <a:rPr lang="en-US" sz="1200">
+                <a:effectLst/>
+                <a:latin typeface="Times New Roman" panose="02020603050405020304" pitchFamily="18" charset="0"/>
+                <a:ea typeface="Times New Roman" panose="02020603050405020304" pitchFamily="18" charset="0"/>
+              </a:rPr>
+              <a:t>Mean</a:t>
+            </a:r>
+          </a:p>
+        </p:txBody>
+      </p:sp>
+      <p:sp>
+        <p:nvSpPr>
+          <p:cNvPr id="9" name="Arrow: Right 8">
+            <a:extLst>
+              <a:ext uri="{FF2B5EF4-FFF2-40B4-BE49-F238E27FC236}">
+                <a16:creationId xmlns:a16="http://schemas.microsoft.com/office/drawing/2014/main" id="{B1311080-65E5-4F24-9B43-3A018992CFE0}"/>
+              </a:ext>
+            </a:extLst>
+          </p:cNvPr>
+          <p:cNvSpPr/>
+          <p:nvPr/>
+        </p:nvSpPr>
+        <p:spPr>
+          <a:xfrm rot="19052757">
+            <a:off x="4258944" y="3903403"/>
+            <a:ext cx="1209040" cy="713740"/>
+          </a:xfrm>
+          <a:prstGeom prst="rightArrow">
+            <a:avLst/>
+          </a:prstGeom>
+        </p:spPr>
+        <p:style>
+          <a:lnRef idx="2">
+            <a:schemeClr val="dk1">
+              <a:shade val="50000"/>
+            </a:schemeClr>
+          </a:lnRef>
+          <a:fillRef idx="1">
+            <a:schemeClr val="dk1"/>
+          </a:fillRef>
+          <a:effectRef idx="0">
+            <a:schemeClr val="dk1"/>
+          </a:effectRef>
+          <a:fontRef idx="minor">
+            <a:schemeClr val="lt1"/>
+          </a:fontRef>
+        </p:style>
+        <p:txBody>
+          <a:bodyPr rot="0" spcFirstLastPara="0" vert="horz" wrap="square" lIns="91440" tIns="45720" rIns="91440" bIns="45720" numCol="1" spcCol="0" rtlCol="0" fromWordArt="0" anchor="ctr" anchorCtr="0" forceAA="0" compatLnSpc="1">
+            <a:prstTxWarp prst="textNoShape">
+              <a:avLst/>
+            </a:prstTxWarp>
+            <a:noAutofit/>
+          </a:bodyPr>
+          <a:lstStyle/>
+          <a:p>
+            <a:pPr marL="0" marR="0" algn="ctr">
+              <a:spcBef>
+                <a:spcPts val="0"/>
+              </a:spcBef>
+              <a:spcAft>
+                <a:spcPts val="0"/>
+              </a:spcAft>
+            </a:pPr>
+            <a:r>
+              <a:rPr lang="en-US" sz="1200">
+                <a:effectLst/>
+                <a:latin typeface="Times New Roman" panose="02020603050405020304" pitchFamily="18" charset="0"/>
+                <a:ea typeface="Times New Roman" panose="02020603050405020304" pitchFamily="18" charset="0"/>
+              </a:rPr>
+              <a:t>Statistics</a:t>
+            </a:r>
+          </a:p>
+        </p:txBody>
+      </p:sp>
+      <p:sp>
+        <p:nvSpPr>
+          <p:cNvPr id="10" name="Arrow: Right 9">
+            <a:extLst>
+              <a:ext uri="{FF2B5EF4-FFF2-40B4-BE49-F238E27FC236}">
+                <a16:creationId xmlns:a16="http://schemas.microsoft.com/office/drawing/2014/main" id="{848CFA69-35C9-4079-8BE3-3A7268B244B1}"/>
+              </a:ext>
+            </a:extLst>
+          </p:cNvPr>
+          <p:cNvSpPr/>
+          <p:nvPr/>
+        </p:nvSpPr>
+        <p:spPr>
+          <a:xfrm rot="19052757">
+            <a:off x="4219142" y="5411943"/>
+            <a:ext cx="1260475" cy="882015"/>
+          </a:xfrm>
+          <a:prstGeom prst="rightArrow">
+            <a:avLst/>
+          </a:prstGeom>
+        </p:spPr>
+        <p:style>
+          <a:lnRef idx="2">
+            <a:schemeClr val="dk1">
+              <a:shade val="50000"/>
+            </a:schemeClr>
+          </a:lnRef>
+          <a:fillRef idx="1">
+            <a:schemeClr val="dk1"/>
+          </a:fillRef>
+          <a:effectRef idx="0">
+            <a:schemeClr val="dk1"/>
+          </a:effectRef>
+          <a:fontRef idx="minor">
+            <a:schemeClr val="lt1"/>
+          </a:fontRef>
+        </p:style>
+        <p:txBody>
+          <a:bodyPr rot="0" spcFirstLastPara="0" vert="horz" wrap="square" lIns="91440" tIns="45720" rIns="91440" bIns="45720" numCol="1" spcCol="0" rtlCol="0" fromWordArt="0" anchor="ctr" anchorCtr="0" forceAA="0" compatLnSpc="1">
+            <a:prstTxWarp prst="textNoShape">
+              <a:avLst/>
+            </a:prstTxWarp>
+            <a:noAutofit/>
+          </a:bodyPr>
+          <a:lstStyle/>
+          <a:p>
+            <a:pPr marL="0" marR="0" algn="ctr">
+              <a:spcBef>
+                <a:spcPts val="0"/>
+              </a:spcBef>
+              <a:spcAft>
+                <a:spcPts val="0"/>
+              </a:spcAft>
+            </a:pPr>
+            <a:r>
+              <a:rPr lang="en-US" sz="1200">
+                <a:effectLst/>
+                <a:latin typeface="Times New Roman" panose="02020603050405020304" pitchFamily="18" charset="0"/>
+                <a:ea typeface="Times New Roman" panose="02020603050405020304" pitchFamily="18" charset="0"/>
+              </a:rPr>
+              <a:t>Standard Deviation</a:t>
+            </a:r>
+          </a:p>
+        </p:txBody>
+      </p:sp>
     </p:spTree>
     <p:extLst>
       <p:ext uri="{BB962C8B-B14F-4D97-AF65-F5344CB8AC3E}">
-        <p14:creationId xmlns:p14="http://schemas.microsoft.com/office/powerpoint/2010/main" val="1657133734"/>
+        <p14:creationId xmlns:p14="http://schemas.microsoft.com/office/powerpoint/2010/main" val="1902734822"/>
       </p:ext>
     </p:extLst>
   </p:cSld>
@@ -7682,27 +8063,16 @@
         </p:nvSpPr>
         <p:spPr/>
         <p:txBody>
-          <a:bodyPr>
-            <a:normAutofit/>
-          </a:bodyPr>
-          <a:lstStyle/>
-          <a:p>
-            <a:pPr lvl="0">
-              <a:buClr>
-                <a:srgbClr val="E48312"/>
-              </a:buClr>
-            </a:pPr>
-            <a:r>
-              <a:rPr lang="en-US" sz="2400" dirty="0">
-                <a:solidFill>
-                  <a:srgbClr val="000000">
-                    <a:lumMod val="75000"/>
-                    <a:lumOff val="25000"/>
-                  </a:srgbClr>
-                </a:solidFill>
-              </a:rPr>
-              <a:t>For APA format you will remove the title</a:t>
-            </a:r>
+          <a:bodyPr/>
+          <a:lstStyle/>
+          <a:p>
+            <a:r>
+              <a:rPr lang="en-US" sz="2400" dirty="0"/>
+              <a:t>Now you can use the numbers from your output and enter those values into Excel by group. </a:t>
+            </a:r>
+          </a:p>
+          <a:p>
+            <a:endParaRPr lang="en-US" sz="2400" dirty="0"/>
           </a:p>
           <a:p>
             <a:endParaRPr lang="en-US" dirty="0"/>
@@ -7714,7 +8084,7 @@
           <p:cNvPr id="4" name="Picture 3">
             <a:extLst>
               <a:ext uri="{FF2B5EF4-FFF2-40B4-BE49-F238E27FC236}">
-                <a16:creationId xmlns:a16="http://schemas.microsoft.com/office/drawing/2014/main" id="{777F8816-6AF3-4ED5-9321-D7B4B95909A4}"/>
+                <a16:creationId xmlns:a16="http://schemas.microsoft.com/office/drawing/2014/main" id="{77E125A7-3115-4CC3-A5DC-1D4EBB86F790}"/>
               </a:ext>
             </a:extLst>
           </p:cNvPr>
@@ -7729,8 +8099,8 @@
         </p:blipFill>
         <p:spPr>
           <a:xfrm>
-            <a:off x="2241212" y="2382772"/>
-            <a:ext cx="4700764" cy="3710104"/>
+            <a:off x="3194569" y="2937947"/>
+            <a:ext cx="2929890" cy="2743200"/>
           </a:xfrm>
           <a:prstGeom prst="rect">
             <a:avLst/>
@@ -7740,7 +8110,7 @@
     </p:spTree>
     <p:extLst>
       <p:ext uri="{BB962C8B-B14F-4D97-AF65-F5344CB8AC3E}">
-        <p14:creationId xmlns:p14="http://schemas.microsoft.com/office/powerpoint/2010/main" val="2452880137"/>
+        <p14:creationId xmlns:p14="http://schemas.microsoft.com/office/powerpoint/2010/main" val="1819490371"/>
       </p:ext>
     </p:extLst>
   </p:cSld>
@@ -7804,21 +8174,15 @@
           <a:bodyPr/>
           <a:lstStyle/>
           <a:p>
-            <a:pPr lvl="0">
-              <a:buClr>
-                <a:srgbClr val="E48312"/>
-              </a:buClr>
-            </a:pPr>
-            <a:r>
-              <a:rPr lang="en-US" sz="2400" dirty="0">
-                <a:solidFill>
-                  <a:srgbClr val="000000">
-                    <a:lumMod val="75000"/>
-                    <a:lumOff val="25000"/>
-                  </a:srgbClr>
-                </a:solidFill>
-              </a:rPr>
-              <a:t>Also need to add x- and y-axis labels </a:t>
+            <a:r>
+              <a:rPr lang="en-US" sz="2400" dirty="0"/>
+              <a:t>Highlight the variable names and means</a:t>
+            </a:r>
+          </a:p>
+          <a:p>
+            <a:r>
+              <a:rPr lang="en-US" sz="2400" dirty="0"/>
+              <a:t>Click on the “Insert” tab and insert a bar graph</a:t>
             </a:r>
           </a:p>
           <a:p>
@@ -7831,7 +8195,7 @@
           <p:cNvPr id="4" name="Picture 3">
             <a:extLst>
               <a:ext uri="{FF2B5EF4-FFF2-40B4-BE49-F238E27FC236}">
-                <a16:creationId xmlns:a16="http://schemas.microsoft.com/office/drawing/2014/main" id="{36D4A9A3-5006-4C6F-A49F-6E0B2691DDE6}"/>
+                <a16:creationId xmlns:a16="http://schemas.microsoft.com/office/drawing/2014/main" id="{223880F2-1006-4348-AA12-637B058D8B1D}"/>
               </a:ext>
             </a:extLst>
           </p:cNvPr>
@@ -7846,8 +8210,8 @@
         </p:blipFill>
         <p:spPr>
           <a:xfrm>
-            <a:off x="1832609" y="2750609"/>
-            <a:ext cx="5524500" cy="2213610"/>
+            <a:off x="2438243" y="2791485"/>
+            <a:ext cx="4313231" cy="3484478"/>
           </a:xfrm>
           <a:prstGeom prst="rect">
             <a:avLst/>
@@ -7857,7 +8221,7 @@
     </p:spTree>
     <p:extLst>
       <p:ext uri="{BB962C8B-B14F-4D97-AF65-F5344CB8AC3E}">
-        <p14:creationId xmlns:p14="http://schemas.microsoft.com/office/powerpoint/2010/main" val="3498371696"/>
+        <p14:creationId xmlns:p14="http://schemas.microsoft.com/office/powerpoint/2010/main" val="1657133734"/>
       </p:ext>
     </p:extLst>
   </p:cSld>
@@ -7918,16 +8282,27 @@
         </p:nvSpPr>
         <p:spPr/>
         <p:txBody>
-          <a:bodyPr/>
-          <a:lstStyle/>
-          <a:p>
-            <a:r>
-              <a:rPr lang="en-US" sz="2400" dirty="0"/>
-              <a:t>Then change the labels</a:t>
-            </a:r>
-          </a:p>
-          <a:p>
-            <a:endParaRPr lang="en-US" dirty="0"/>
+          <a:bodyPr>
+            <a:normAutofit/>
+          </a:bodyPr>
+          <a:lstStyle/>
+          <a:p>
+            <a:pPr lvl="0">
+              <a:buClr>
+                <a:srgbClr val="E48312"/>
+              </a:buClr>
+            </a:pPr>
+            <a:r>
+              <a:rPr lang="en-US" sz="2400" dirty="0">
+                <a:solidFill>
+                  <a:srgbClr val="000000">
+                    <a:lumMod val="75000"/>
+                    <a:lumOff val="25000"/>
+                  </a:srgbClr>
+                </a:solidFill>
+              </a:rPr>
+              <a:t>For APA format you will remove the title</a:t>
+            </a:r>
           </a:p>
           <a:p>
             <a:endParaRPr lang="en-US" dirty="0"/>
@@ -7936,10 +8311,10 @@
       </p:sp>
       <p:pic>
         <p:nvPicPr>
-          <p:cNvPr id="6" name="Picture 5">
+          <p:cNvPr id="4" name="Picture 3">
             <a:extLst>
               <a:ext uri="{FF2B5EF4-FFF2-40B4-BE49-F238E27FC236}">
-                <a16:creationId xmlns:a16="http://schemas.microsoft.com/office/drawing/2014/main" id="{CB6159DA-0D27-459E-A7D4-AF4A503EE5F7}"/>
+                <a16:creationId xmlns:a16="http://schemas.microsoft.com/office/drawing/2014/main" id="{777F8816-6AF3-4ED5-9321-D7B4B95909A4}"/>
               </a:ext>
             </a:extLst>
           </p:cNvPr>
@@ -7954,48 +8329,18 @@
         </p:blipFill>
         <p:spPr>
           <a:xfrm>
-            <a:off x="3853618" y="3517207"/>
-            <a:ext cx="4513142" cy="2723796"/>
+            <a:off x="2241212" y="2382772"/>
+            <a:ext cx="4700764" cy="3710104"/>
           </a:xfrm>
           <a:prstGeom prst="rect">
             <a:avLst/>
           </a:prstGeom>
         </p:spPr>
       </p:pic>
-      <p:pic>
-        <p:nvPicPr>
-          <p:cNvPr id="8" name="Picture 7">
-            <a:extLst>
-              <a:ext uri="{FF2B5EF4-FFF2-40B4-BE49-F238E27FC236}">
-                <a16:creationId xmlns:a16="http://schemas.microsoft.com/office/drawing/2014/main" id="{ABF83D49-A6A5-4B00-AFFA-E237A55C9247}"/>
-              </a:ext>
-            </a:extLst>
-          </p:cNvPr>
-          <p:cNvPicPr>
-            <a:picLocks noChangeAspect="1"/>
-          </p:cNvPicPr>
-          <p:nvPr/>
-        </p:nvPicPr>
-        <p:blipFill>
-          <a:blip r:embed="rId3"/>
-          <a:stretch>
-            <a:fillRect/>
-          </a:stretch>
-        </p:blipFill>
-        <p:spPr>
-          <a:xfrm>
-            <a:off x="501176" y="2313993"/>
-            <a:ext cx="6412808" cy="1628162"/>
-          </a:xfrm>
-          <a:prstGeom prst="rect">
-            <a:avLst/>
-          </a:prstGeom>
-        </p:spPr>
-      </p:pic>
     </p:spTree>
     <p:extLst>
       <p:ext uri="{BB962C8B-B14F-4D97-AF65-F5344CB8AC3E}">
-        <p14:creationId xmlns:p14="http://schemas.microsoft.com/office/powerpoint/2010/main" val="901649812"/>
+        <p14:creationId xmlns:p14="http://schemas.microsoft.com/office/powerpoint/2010/main" val="2452880137"/>
       </p:ext>
     </p:extLst>
   </p:cSld>
@@ -8044,77 +8389,49 @@
           </a:p>
         </p:txBody>
       </p:sp>
+      <p:sp>
+        <p:nvSpPr>
+          <p:cNvPr id="3" name="Content Placeholder 2"/>
+          <p:cNvSpPr>
+            <a:spLocks noGrp="1"/>
+          </p:cNvSpPr>
+          <p:nvPr>
+            <p:ph idx="1"/>
+          </p:nvPr>
+        </p:nvSpPr>
+        <p:spPr/>
+        <p:txBody>
+          <a:bodyPr/>
+          <a:lstStyle/>
+          <a:p>
+            <a:pPr lvl="0">
+              <a:buClr>
+                <a:srgbClr val="E48312"/>
+              </a:buClr>
+            </a:pPr>
+            <a:r>
+              <a:rPr lang="en-US" sz="2400" dirty="0">
+                <a:solidFill>
+                  <a:srgbClr val="000000">
+                    <a:lumMod val="75000"/>
+                    <a:lumOff val="25000"/>
+                  </a:srgbClr>
+                </a:solidFill>
+              </a:rPr>
+              <a:t>Also need to add x- and y-axis labels </a:t>
+            </a:r>
+          </a:p>
+          <a:p>
+            <a:endParaRPr lang="en-US" dirty="0"/>
+          </a:p>
+        </p:txBody>
+      </p:sp>
       <p:pic>
         <p:nvPicPr>
-          <p:cNvPr id="6" name="Picture 5">
+          <p:cNvPr id="4" name="Picture 3">
             <a:extLst>
               <a:ext uri="{FF2B5EF4-FFF2-40B4-BE49-F238E27FC236}">
-                <a16:creationId xmlns:a16="http://schemas.microsoft.com/office/drawing/2014/main" id="{5B7B232B-08D6-4781-B75D-579697C89287}"/>
-              </a:ext>
-            </a:extLst>
-          </p:cNvPr>
-          <p:cNvPicPr/>
-          <p:nvPr/>
-        </p:nvPicPr>
-        <p:blipFill rotWithShape="1">
-          <a:blip r:embed="rId2"/>
-          <a:srcRect l="27605"/>
-          <a:stretch/>
-        </p:blipFill>
-        <p:spPr>
-          <a:xfrm>
-            <a:off x="5370990" y="1934510"/>
-            <a:ext cx="2681228" cy="4191082"/>
-          </a:xfrm>
-          <a:prstGeom prst="rect">
-            <a:avLst/>
-          </a:prstGeom>
-        </p:spPr>
-      </p:pic>
-      <p:sp>
-        <p:nvSpPr>
-          <p:cNvPr id="3" name="Content Placeholder 2"/>
-          <p:cNvSpPr>
-            <a:spLocks noGrp="1"/>
-          </p:cNvSpPr>
-          <p:nvPr>
-            <p:ph idx="1"/>
-          </p:nvPr>
-        </p:nvSpPr>
-        <p:spPr/>
-        <p:txBody>
-          <a:bodyPr/>
-          <a:lstStyle/>
-          <a:p>
-            <a:r>
-              <a:rPr lang="en-US" sz="2400" dirty="0"/>
-              <a:t>Add error bars</a:t>
-            </a:r>
-          </a:p>
-          <a:p>
-            <a:r>
-              <a:rPr lang="en-US" sz="2400" dirty="0"/>
-              <a:t>Select “Custom” </a:t>
-            </a:r>
-            <a:r>
-              <a:rPr lang="en-US" sz="2400" dirty="0">
-                <a:sym typeface="Wingdings" panose="05000000000000000000" pitchFamily="2" charset="2"/>
-              </a:rPr>
-              <a:t> “Specify Value”</a:t>
-            </a:r>
-            <a:endParaRPr lang="en-US" sz="2400" dirty="0"/>
-          </a:p>
-          <a:p>
-            <a:endParaRPr lang="en-US" dirty="0"/>
-          </a:p>
-        </p:txBody>
-      </p:sp>
-      <p:pic>
-        <p:nvPicPr>
-          <p:cNvPr id="5" name="Picture 4">
-            <a:extLst>
-              <a:ext uri="{FF2B5EF4-FFF2-40B4-BE49-F238E27FC236}">
-                <a16:creationId xmlns:a16="http://schemas.microsoft.com/office/drawing/2014/main" id="{704A34C6-E670-4786-8BEE-A9C79DE68EE3}"/>
+                <a16:creationId xmlns:a16="http://schemas.microsoft.com/office/drawing/2014/main" id="{36D4A9A3-5006-4C6F-A49F-6E0B2691DDE6}"/>
               </a:ext>
             </a:extLst>
           </p:cNvPr>
@@ -8122,71 +8439,25 @@
           <p:nvPr/>
         </p:nvPicPr>
         <p:blipFill>
-          <a:blip r:embed="rId3"/>
+          <a:blip r:embed="rId2"/>
           <a:stretch>
             <a:fillRect/>
           </a:stretch>
         </p:blipFill>
         <p:spPr>
           <a:xfrm>
-            <a:off x="1058834" y="2797860"/>
-            <a:ext cx="3131820" cy="3484245"/>
+            <a:off x="1832609" y="2750609"/>
+            <a:ext cx="5524500" cy="2213610"/>
           </a:xfrm>
           <a:prstGeom prst="rect">
             <a:avLst/>
           </a:prstGeom>
         </p:spPr>
       </p:pic>
-      <p:sp>
-        <p:nvSpPr>
-          <p:cNvPr id="8" name="Arrow: Right 7">
-            <a:extLst>
-              <a:ext uri="{FF2B5EF4-FFF2-40B4-BE49-F238E27FC236}">
-                <a16:creationId xmlns:a16="http://schemas.microsoft.com/office/drawing/2014/main" id="{62DA159B-4F44-481A-83D4-13E48D73ABBB}"/>
-              </a:ext>
-            </a:extLst>
-          </p:cNvPr>
-          <p:cNvSpPr/>
-          <p:nvPr/>
-        </p:nvSpPr>
-        <p:spPr>
-          <a:xfrm rot="19679154">
-            <a:off x="4576829" y="5874895"/>
-            <a:ext cx="1158047" cy="731795"/>
-          </a:xfrm>
-          <a:prstGeom prst="rightArrow">
-            <a:avLst/>
-          </a:prstGeom>
-        </p:spPr>
-        <p:style>
-          <a:lnRef idx="2">
-            <a:schemeClr val="dk1">
-              <a:shade val="50000"/>
-            </a:schemeClr>
-          </a:lnRef>
-          <a:fillRef idx="1">
-            <a:schemeClr val="dk1"/>
-          </a:fillRef>
-          <a:effectRef idx="0">
-            <a:schemeClr val="dk1"/>
-          </a:effectRef>
-          <a:fontRef idx="minor">
-            <a:schemeClr val="lt1"/>
-          </a:fontRef>
-        </p:style>
-        <p:txBody>
-          <a:bodyPr rtlCol="0" anchor="ctr"/>
-          <a:lstStyle/>
-          <a:p>
-            <a:pPr algn="ctr"/>
-            <a:endParaRPr lang="en-US"/>
-          </a:p>
-        </p:txBody>
-      </p:sp>
     </p:spTree>
     <p:extLst>
       <p:ext uri="{BB962C8B-B14F-4D97-AF65-F5344CB8AC3E}">
-        <p14:creationId xmlns:p14="http://schemas.microsoft.com/office/powerpoint/2010/main" val="4151858085"/>
+        <p14:creationId xmlns:p14="http://schemas.microsoft.com/office/powerpoint/2010/main" val="3498371696"/>
       </p:ext>
     </p:extLst>
   </p:cSld>
@@ -8396,27 +8667,28 @@
         </p:nvSpPr>
         <p:spPr/>
         <p:txBody>
-          <a:bodyPr>
-            <a:normAutofit/>
-          </a:bodyPr>
+          <a:bodyPr/>
           <a:lstStyle/>
           <a:p>
             <a:r>
               <a:rPr lang="en-US" sz="2400" dirty="0"/>
-              <a:t>Select the cells with the standard deviation values for both the positive and negative error values</a:t>
-            </a:r>
-          </a:p>
-          <a:p>
-            <a:endParaRPr lang="en-US" sz="2400" dirty="0"/>
+              <a:t>Then change the labels</a:t>
+            </a:r>
+          </a:p>
+          <a:p>
+            <a:endParaRPr lang="en-US" dirty="0"/>
+          </a:p>
+          <a:p>
+            <a:endParaRPr lang="en-US" dirty="0"/>
           </a:p>
         </p:txBody>
       </p:sp>
       <p:pic>
         <p:nvPicPr>
-          <p:cNvPr id="5" name="Picture 4">
+          <p:cNvPr id="6" name="Picture 5">
             <a:extLst>
               <a:ext uri="{FF2B5EF4-FFF2-40B4-BE49-F238E27FC236}">
-                <a16:creationId xmlns:a16="http://schemas.microsoft.com/office/drawing/2014/main" id="{5477EC9F-7395-4389-9EDB-B498CF3C3D32}"/>
+                <a16:creationId xmlns:a16="http://schemas.microsoft.com/office/drawing/2014/main" id="{CB6159DA-0D27-459E-A7D4-AF4A503EE5F7}"/>
               </a:ext>
             </a:extLst>
           </p:cNvPr>
@@ -8431,8 +8703,8 @@
         </p:blipFill>
         <p:spPr>
           <a:xfrm>
-            <a:off x="984284" y="2590131"/>
-            <a:ext cx="2190750" cy="1781175"/>
+            <a:off x="3853618" y="3517207"/>
+            <a:ext cx="4513142" cy="2723796"/>
           </a:xfrm>
           <a:prstGeom prst="rect">
             <a:avLst/>
@@ -8441,14 +8713,16 @@
       </p:pic>
       <p:pic>
         <p:nvPicPr>
-          <p:cNvPr id="6" name="Picture 5">
+          <p:cNvPr id="8" name="Picture 7">
             <a:extLst>
               <a:ext uri="{FF2B5EF4-FFF2-40B4-BE49-F238E27FC236}">
-                <a16:creationId xmlns:a16="http://schemas.microsoft.com/office/drawing/2014/main" id="{07161D67-5462-488B-A137-CEB8BF47A150}"/>
+                <a16:creationId xmlns:a16="http://schemas.microsoft.com/office/drawing/2014/main" id="{ABF83D49-A6A5-4B00-AFFA-E237A55C9247}"/>
               </a:ext>
             </a:extLst>
           </p:cNvPr>
-          <p:cNvPicPr/>
+          <p:cNvPicPr>
+            <a:picLocks noChangeAspect="1"/>
+          </p:cNvPicPr>
           <p:nvPr/>
         </p:nvPicPr>
         <p:blipFill>
@@ -8459,45 +8733,18 @@
         </p:blipFill>
         <p:spPr>
           <a:xfrm>
-            <a:off x="3336358" y="2601157"/>
-            <a:ext cx="5137951" cy="3540298"/>
+            <a:off x="501176" y="2313993"/>
+            <a:ext cx="6412808" cy="1628162"/>
           </a:xfrm>
           <a:prstGeom prst="rect">
             <a:avLst/>
           </a:prstGeom>
         </p:spPr>
       </p:pic>
-      <p:pic>
-        <p:nvPicPr>
-          <p:cNvPr id="7" name="Picture 6">
-            <a:extLst>
-              <a:ext uri="{FF2B5EF4-FFF2-40B4-BE49-F238E27FC236}">
-                <a16:creationId xmlns:a16="http://schemas.microsoft.com/office/drawing/2014/main" id="{956CF497-028A-4B97-8E13-276EC3100B83}"/>
-              </a:ext>
-            </a:extLst>
-          </p:cNvPr>
-          <p:cNvPicPr/>
-          <p:nvPr/>
-        </p:nvPicPr>
-        <p:blipFill rotWithShape="1">
-          <a:blip r:embed="rId4"/>
-          <a:srcRect l="7428" t="5355" r="9987" b="9463"/>
-          <a:stretch/>
-        </p:blipFill>
-        <p:spPr>
-          <a:xfrm>
-            <a:off x="984284" y="4556789"/>
-            <a:ext cx="2190750" cy="1657580"/>
-          </a:xfrm>
-          <a:prstGeom prst="rect">
-            <a:avLst/>
-          </a:prstGeom>
-        </p:spPr>
-      </p:pic>
     </p:spTree>
     <p:extLst>
       <p:ext uri="{BB962C8B-B14F-4D97-AF65-F5344CB8AC3E}">
-        <p14:creationId xmlns:p14="http://schemas.microsoft.com/office/powerpoint/2010/main" val="4128443121"/>
+        <p14:creationId xmlns:p14="http://schemas.microsoft.com/office/powerpoint/2010/main" val="901649812"/>
       </p:ext>
     </p:extLst>
   </p:cSld>
@@ -8526,6 +8773,359 @@
       </p:grpSpPr>
       <p:sp>
         <p:nvSpPr>
+          <p:cNvPr id="2" name="Title 1"/>
+          <p:cNvSpPr>
+            <a:spLocks noGrp="1"/>
+          </p:cNvSpPr>
+          <p:nvPr>
+            <p:ph type="title"/>
+          </p:nvPr>
+        </p:nvSpPr>
+        <p:spPr/>
+        <p:txBody>
+          <a:bodyPr/>
+          <a:lstStyle/>
+          <a:p>
+            <a:r>
+              <a:rPr lang="en-US" dirty="0"/>
+              <a:t>How-To Excel</a:t>
+            </a:r>
+          </a:p>
+        </p:txBody>
+      </p:sp>
+      <p:pic>
+        <p:nvPicPr>
+          <p:cNvPr id="6" name="Picture 5">
+            <a:extLst>
+              <a:ext uri="{FF2B5EF4-FFF2-40B4-BE49-F238E27FC236}">
+                <a16:creationId xmlns:a16="http://schemas.microsoft.com/office/drawing/2014/main" id="{5B7B232B-08D6-4781-B75D-579697C89287}"/>
+              </a:ext>
+            </a:extLst>
+          </p:cNvPr>
+          <p:cNvPicPr/>
+          <p:nvPr/>
+        </p:nvPicPr>
+        <p:blipFill rotWithShape="1">
+          <a:blip r:embed="rId2"/>
+          <a:srcRect l="27605"/>
+          <a:stretch/>
+        </p:blipFill>
+        <p:spPr>
+          <a:xfrm>
+            <a:off x="5370990" y="1934510"/>
+            <a:ext cx="2681228" cy="4191082"/>
+          </a:xfrm>
+          <a:prstGeom prst="rect">
+            <a:avLst/>
+          </a:prstGeom>
+        </p:spPr>
+      </p:pic>
+      <p:sp>
+        <p:nvSpPr>
+          <p:cNvPr id="3" name="Content Placeholder 2"/>
+          <p:cNvSpPr>
+            <a:spLocks noGrp="1"/>
+          </p:cNvSpPr>
+          <p:nvPr>
+            <p:ph idx="1"/>
+          </p:nvPr>
+        </p:nvSpPr>
+        <p:spPr/>
+        <p:txBody>
+          <a:bodyPr/>
+          <a:lstStyle/>
+          <a:p>
+            <a:r>
+              <a:rPr lang="en-US" sz="2400" dirty="0"/>
+              <a:t>Add error bars</a:t>
+            </a:r>
+          </a:p>
+          <a:p>
+            <a:r>
+              <a:rPr lang="en-US" sz="2400" dirty="0"/>
+              <a:t>Select “Custom” </a:t>
+            </a:r>
+            <a:r>
+              <a:rPr lang="en-US" sz="2400" dirty="0">
+                <a:sym typeface="Wingdings" panose="05000000000000000000" pitchFamily="2" charset="2"/>
+              </a:rPr>
+              <a:t> “Specify Value”</a:t>
+            </a:r>
+            <a:endParaRPr lang="en-US" sz="2400" dirty="0"/>
+          </a:p>
+          <a:p>
+            <a:endParaRPr lang="en-US" dirty="0"/>
+          </a:p>
+        </p:txBody>
+      </p:sp>
+      <p:pic>
+        <p:nvPicPr>
+          <p:cNvPr id="5" name="Picture 4">
+            <a:extLst>
+              <a:ext uri="{FF2B5EF4-FFF2-40B4-BE49-F238E27FC236}">
+                <a16:creationId xmlns:a16="http://schemas.microsoft.com/office/drawing/2014/main" id="{704A34C6-E670-4786-8BEE-A9C79DE68EE3}"/>
+              </a:ext>
+            </a:extLst>
+          </p:cNvPr>
+          <p:cNvPicPr/>
+          <p:nvPr/>
+        </p:nvPicPr>
+        <p:blipFill>
+          <a:blip r:embed="rId3"/>
+          <a:stretch>
+            <a:fillRect/>
+          </a:stretch>
+        </p:blipFill>
+        <p:spPr>
+          <a:xfrm>
+            <a:off x="1058834" y="2797860"/>
+            <a:ext cx="3131820" cy="3484245"/>
+          </a:xfrm>
+          <a:prstGeom prst="rect">
+            <a:avLst/>
+          </a:prstGeom>
+        </p:spPr>
+      </p:pic>
+      <p:sp>
+        <p:nvSpPr>
+          <p:cNvPr id="8" name="Arrow: Right 7">
+            <a:extLst>
+              <a:ext uri="{FF2B5EF4-FFF2-40B4-BE49-F238E27FC236}">
+                <a16:creationId xmlns:a16="http://schemas.microsoft.com/office/drawing/2014/main" id="{62DA159B-4F44-481A-83D4-13E48D73ABBB}"/>
+              </a:ext>
+            </a:extLst>
+          </p:cNvPr>
+          <p:cNvSpPr/>
+          <p:nvPr/>
+        </p:nvSpPr>
+        <p:spPr>
+          <a:xfrm rot="19679154">
+            <a:off x="4576829" y="5874895"/>
+            <a:ext cx="1158047" cy="731795"/>
+          </a:xfrm>
+          <a:prstGeom prst="rightArrow">
+            <a:avLst/>
+          </a:prstGeom>
+        </p:spPr>
+        <p:style>
+          <a:lnRef idx="2">
+            <a:schemeClr val="dk1">
+              <a:shade val="50000"/>
+            </a:schemeClr>
+          </a:lnRef>
+          <a:fillRef idx="1">
+            <a:schemeClr val="dk1"/>
+          </a:fillRef>
+          <a:effectRef idx="0">
+            <a:schemeClr val="dk1"/>
+          </a:effectRef>
+          <a:fontRef idx="minor">
+            <a:schemeClr val="lt1"/>
+          </a:fontRef>
+        </p:style>
+        <p:txBody>
+          <a:bodyPr rtlCol="0" anchor="ctr"/>
+          <a:lstStyle/>
+          <a:p>
+            <a:pPr algn="ctr"/>
+            <a:endParaRPr lang="en-US"/>
+          </a:p>
+        </p:txBody>
+      </p:sp>
+    </p:spTree>
+    <p:extLst>
+      <p:ext uri="{BB962C8B-B14F-4D97-AF65-F5344CB8AC3E}">
+        <p14:creationId xmlns:p14="http://schemas.microsoft.com/office/powerpoint/2010/main" val="4151858085"/>
+      </p:ext>
+    </p:extLst>
+  </p:cSld>
+  <p:clrMapOvr>
+    <a:masterClrMapping/>
+  </p:clrMapOvr>
+</p:sld>
+</file>
+
+<file path=ppt/slides/slide32.xml><?xml version="1.0" encoding="utf-8"?>
+<p:sld xmlns:a="http://schemas.openxmlformats.org/drawingml/2006/main" xmlns:r="http://schemas.openxmlformats.org/officeDocument/2006/relationships" xmlns:p="http://schemas.openxmlformats.org/presentationml/2006/main">
+  <p:cSld>
+    <p:spTree>
+      <p:nvGrpSpPr>
+        <p:cNvPr id="1" name=""/>
+        <p:cNvGrpSpPr/>
+        <p:nvPr/>
+      </p:nvGrpSpPr>
+      <p:grpSpPr>
+        <a:xfrm>
+          <a:off x="0" y="0"/>
+          <a:ext cx="0" cy="0"/>
+          <a:chOff x="0" y="0"/>
+          <a:chExt cx="0" cy="0"/>
+        </a:xfrm>
+      </p:grpSpPr>
+      <p:sp>
+        <p:nvSpPr>
+          <p:cNvPr id="2" name="Title 1"/>
+          <p:cNvSpPr>
+            <a:spLocks noGrp="1"/>
+          </p:cNvSpPr>
+          <p:nvPr>
+            <p:ph type="title"/>
+          </p:nvPr>
+        </p:nvSpPr>
+        <p:spPr/>
+        <p:txBody>
+          <a:bodyPr/>
+          <a:lstStyle/>
+          <a:p>
+            <a:r>
+              <a:rPr lang="en-US" dirty="0"/>
+              <a:t>How-To Excel</a:t>
+            </a:r>
+          </a:p>
+        </p:txBody>
+      </p:sp>
+      <p:sp>
+        <p:nvSpPr>
+          <p:cNvPr id="3" name="Content Placeholder 2"/>
+          <p:cNvSpPr>
+            <a:spLocks noGrp="1"/>
+          </p:cNvSpPr>
+          <p:nvPr>
+            <p:ph idx="1"/>
+          </p:nvPr>
+        </p:nvSpPr>
+        <p:spPr/>
+        <p:txBody>
+          <a:bodyPr>
+            <a:normAutofit/>
+          </a:bodyPr>
+          <a:lstStyle/>
+          <a:p>
+            <a:r>
+              <a:rPr lang="en-US" sz="2400" dirty="0"/>
+              <a:t>Select the cells with the standard deviation values for both the positive and negative error values</a:t>
+            </a:r>
+          </a:p>
+          <a:p>
+            <a:endParaRPr lang="en-US" sz="2400" dirty="0"/>
+          </a:p>
+        </p:txBody>
+      </p:sp>
+      <p:pic>
+        <p:nvPicPr>
+          <p:cNvPr id="5" name="Picture 4">
+            <a:extLst>
+              <a:ext uri="{FF2B5EF4-FFF2-40B4-BE49-F238E27FC236}">
+                <a16:creationId xmlns:a16="http://schemas.microsoft.com/office/drawing/2014/main" id="{5477EC9F-7395-4389-9EDB-B498CF3C3D32}"/>
+              </a:ext>
+            </a:extLst>
+          </p:cNvPr>
+          <p:cNvPicPr/>
+          <p:nvPr/>
+        </p:nvPicPr>
+        <p:blipFill>
+          <a:blip r:embed="rId2"/>
+          <a:stretch>
+            <a:fillRect/>
+          </a:stretch>
+        </p:blipFill>
+        <p:spPr>
+          <a:xfrm>
+            <a:off x="984284" y="2590131"/>
+            <a:ext cx="2190750" cy="1781175"/>
+          </a:xfrm>
+          <a:prstGeom prst="rect">
+            <a:avLst/>
+          </a:prstGeom>
+        </p:spPr>
+      </p:pic>
+      <p:pic>
+        <p:nvPicPr>
+          <p:cNvPr id="6" name="Picture 5">
+            <a:extLst>
+              <a:ext uri="{FF2B5EF4-FFF2-40B4-BE49-F238E27FC236}">
+                <a16:creationId xmlns:a16="http://schemas.microsoft.com/office/drawing/2014/main" id="{07161D67-5462-488B-A137-CEB8BF47A150}"/>
+              </a:ext>
+            </a:extLst>
+          </p:cNvPr>
+          <p:cNvPicPr/>
+          <p:nvPr/>
+        </p:nvPicPr>
+        <p:blipFill>
+          <a:blip r:embed="rId3"/>
+          <a:stretch>
+            <a:fillRect/>
+          </a:stretch>
+        </p:blipFill>
+        <p:spPr>
+          <a:xfrm>
+            <a:off x="3336358" y="2601157"/>
+            <a:ext cx="5137951" cy="3540298"/>
+          </a:xfrm>
+          <a:prstGeom prst="rect">
+            <a:avLst/>
+          </a:prstGeom>
+        </p:spPr>
+      </p:pic>
+      <p:pic>
+        <p:nvPicPr>
+          <p:cNvPr id="7" name="Picture 6">
+            <a:extLst>
+              <a:ext uri="{FF2B5EF4-FFF2-40B4-BE49-F238E27FC236}">
+                <a16:creationId xmlns:a16="http://schemas.microsoft.com/office/drawing/2014/main" id="{956CF497-028A-4B97-8E13-276EC3100B83}"/>
+              </a:ext>
+            </a:extLst>
+          </p:cNvPr>
+          <p:cNvPicPr/>
+          <p:nvPr/>
+        </p:nvPicPr>
+        <p:blipFill rotWithShape="1">
+          <a:blip r:embed="rId4"/>
+          <a:srcRect l="7428" t="5355" r="9987" b="9463"/>
+          <a:stretch/>
+        </p:blipFill>
+        <p:spPr>
+          <a:xfrm>
+            <a:off x="984284" y="4556789"/>
+            <a:ext cx="2190750" cy="1657580"/>
+          </a:xfrm>
+          <a:prstGeom prst="rect">
+            <a:avLst/>
+          </a:prstGeom>
+        </p:spPr>
+      </p:pic>
+    </p:spTree>
+    <p:extLst>
+      <p:ext uri="{BB962C8B-B14F-4D97-AF65-F5344CB8AC3E}">
+        <p14:creationId xmlns:p14="http://schemas.microsoft.com/office/powerpoint/2010/main" val="4128443121"/>
+      </p:ext>
+    </p:extLst>
+  </p:cSld>
+  <p:clrMapOvr>
+    <a:masterClrMapping/>
+  </p:clrMapOvr>
+</p:sld>
+</file>
+
+<file path=ppt/slides/slide33.xml><?xml version="1.0" encoding="utf-8"?>
+<p:sld xmlns:a="http://schemas.openxmlformats.org/drawingml/2006/main" xmlns:r="http://schemas.openxmlformats.org/officeDocument/2006/relationships" xmlns:p="http://schemas.openxmlformats.org/presentationml/2006/main">
+  <p:cSld>
+    <p:spTree>
+      <p:nvGrpSpPr>
+        <p:cNvPr id="1" name=""/>
+        <p:cNvGrpSpPr/>
+        <p:nvPr/>
+      </p:nvGrpSpPr>
+      <p:grpSpPr>
+        <a:xfrm>
+          <a:off x="0" y="0"/>
+          <a:ext cx="0" cy="0"/>
+          <a:chOff x="0" y="0"/>
+          <a:chExt cx="0" cy="0"/>
+        </a:xfrm>
+      </p:grpSpPr>
+      <p:sp>
+        <p:nvSpPr>
           <p:cNvPr id="23554" name="Title 1"/>
           <p:cNvSpPr>
             <a:spLocks noGrp="1"/>
@@ -8596,7 +9196,7 @@
 </p:sld>
 </file>
 
-<file path=ppt/slides/slide32.xml><?xml version="1.0" encoding="utf-8"?>
+<file path=ppt/slides/slide34.xml><?xml version="1.0" encoding="utf-8"?>
 <p:sld xmlns:a="http://schemas.openxmlformats.org/drawingml/2006/main" xmlns:r="http://schemas.openxmlformats.org/officeDocument/2006/relationships" xmlns:p="http://schemas.openxmlformats.org/presentationml/2006/main">
   <p:cSld>
     <p:spTree>
